--- a/1-PPT/7-Model (CRUD)/7-Laravel Model.pptx
+++ b/1-PPT/7-Model (CRUD)/7-Laravel Model.pptx
@@ -208,7 +208,7 @@
             <a:fld id="{EA38CB6D-63C9-464B-889E-D8FE438905A2}" type="datetimeFigureOut">
               <a:rPr lang="ar-EG" smtClean="0"/>
               <a:pPr/>
-              <a:t>12/05/1441</a:t>
+              <a:t>21/05/1441</a:t>
             </a:fld>
             <a:endParaRPr lang="ar-EG"/>
           </a:p>
@@ -656,7 +656,7 @@
             <a:fld id="{1D8BD707-D9CF-40AE-B4C6-C98DA3205C09}" type="datetimeFigureOut">
               <a:rPr lang="en-US" smtClean="0"/>
               <a:pPr/>
-              <a:t>1/7/2020</a:t>
+              <a:t>1/16/2020</a:t>
             </a:fld>
             <a:endParaRPr lang="en-US"/>
           </a:p>
@@ -823,7 +823,7 @@
             <a:fld id="{1D8BD707-D9CF-40AE-B4C6-C98DA3205C09}" type="datetimeFigureOut">
               <a:rPr lang="en-US" smtClean="0"/>
               <a:pPr/>
-              <a:t>1/7/2020</a:t>
+              <a:t>1/16/2020</a:t>
             </a:fld>
             <a:endParaRPr lang="en-US"/>
           </a:p>
@@ -1000,7 +1000,7 @@
             <a:fld id="{1D8BD707-D9CF-40AE-B4C6-C98DA3205C09}" type="datetimeFigureOut">
               <a:rPr lang="en-US" smtClean="0"/>
               <a:pPr/>
-              <a:t>1/7/2020</a:t>
+              <a:t>1/16/2020</a:t>
             </a:fld>
             <a:endParaRPr lang="en-US"/>
           </a:p>
@@ -1167,7 +1167,7 @@
             <a:fld id="{1D8BD707-D9CF-40AE-B4C6-C98DA3205C09}" type="datetimeFigureOut">
               <a:rPr lang="en-US" smtClean="0"/>
               <a:pPr/>
-              <a:t>1/7/2020</a:t>
+              <a:t>1/16/2020</a:t>
             </a:fld>
             <a:endParaRPr lang="en-US"/>
           </a:p>
@@ -1410,7 +1410,7 @@
             <a:fld id="{1D8BD707-D9CF-40AE-B4C6-C98DA3205C09}" type="datetimeFigureOut">
               <a:rPr lang="en-US" smtClean="0"/>
               <a:pPr/>
-              <a:t>1/7/2020</a:t>
+              <a:t>1/16/2020</a:t>
             </a:fld>
             <a:endParaRPr lang="en-US"/>
           </a:p>
@@ -1695,7 +1695,7 @@
             <a:fld id="{1D8BD707-D9CF-40AE-B4C6-C98DA3205C09}" type="datetimeFigureOut">
               <a:rPr lang="en-US" smtClean="0"/>
               <a:pPr/>
-              <a:t>1/7/2020</a:t>
+              <a:t>1/16/2020</a:t>
             </a:fld>
             <a:endParaRPr lang="en-US"/>
           </a:p>
@@ -2114,7 +2114,7 @@
             <a:fld id="{1D8BD707-D9CF-40AE-B4C6-C98DA3205C09}" type="datetimeFigureOut">
               <a:rPr lang="en-US" smtClean="0"/>
               <a:pPr/>
-              <a:t>1/7/2020</a:t>
+              <a:t>1/16/2020</a:t>
             </a:fld>
             <a:endParaRPr lang="en-US"/>
           </a:p>
@@ -2229,7 +2229,7 @@
             <a:fld id="{1D8BD707-D9CF-40AE-B4C6-C98DA3205C09}" type="datetimeFigureOut">
               <a:rPr lang="en-US" smtClean="0"/>
               <a:pPr/>
-              <a:t>1/7/2020</a:t>
+              <a:t>1/16/2020</a:t>
             </a:fld>
             <a:endParaRPr lang="en-US"/>
           </a:p>
@@ -2321,7 +2321,7 @@
             <a:fld id="{1D8BD707-D9CF-40AE-B4C6-C98DA3205C09}" type="datetimeFigureOut">
               <a:rPr lang="en-US" smtClean="0"/>
               <a:pPr/>
-              <a:t>1/7/2020</a:t>
+              <a:t>1/16/2020</a:t>
             </a:fld>
             <a:endParaRPr lang="en-US"/>
           </a:p>
@@ -2595,7 +2595,7 @@
             <a:fld id="{1D8BD707-D9CF-40AE-B4C6-C98DA3205C09}" type="datetimeFigureOut">
               <a:rPr lang="en-US" smtClean="0"/>
               <a:pPr/>
-              <a:t>1/7/2020</a:t>
+              <a:t>1/16/2020</a:t>
             </a:fld>
             <a:endParaRPr lang="en-US"/>
           </a:p>
@@ -2845,7 +2845,7 @@
             <a:fld id="{1D8BD707-D9CF-40AE-B4C6-C98DA3205C09}" type="datetimeFigureOut">
               <a:rPr lang="en-US" smtClean="0"/>
               <a:pPr/>
-              <a:t>1/7/2020</a:t>
+              <a:t>1/16/2020</a:t>
             </a:fld>
             <a:endParaRPr lang="en-US"/>
           </a:p>
@@ -3055,7 +3055,7 @@
             <a:fld id="{1D8BD707-D9CF-40AE-B4C6-C98DA3205C09}" type="datetimeFigureOut">
               <a:rPr lang="en-US" smtClean="0"/>
               <a:pPr/>
-              <a:t>1/7/2020</a:t>
+              <a:t>1/16/2020</a:t>
             </a:fld>
             <a:endParaRPr lang="en-US"/>
           </a:p>
@@ -6248,11 +6248,7 @@
             </a:r>
             <a:r>
               <a:rPr lang="en-US" dirty="0" smtClean="0"/>
-              <a:t> </a:t>
-            </a:r>
-            <a:r>
-              <a:rPr lang="en-US" dirty="0" smtClean="0"/>
-              <a:t> </a:t>
+              <a:t>  </a:t>
             </a:r>
             <a:r>
               <a:rPr lang="en-US" dirty="0" err="1" smtClean="0"/>
@@ -6580,7 +6576,6 @@
               <a:rPr lang="en-US" dirty="0" smtClean="0"/>
               <a:t>}</a:t>
             </a:r>
-            <a:endParaRPr lang="en-US" dirty="0" smtClean="0"/>
           </a:p>
           <a:p>
             <a:r>
@@ -6745,13 +6740,7 @@
               <a:rPr lang="en-US" sz="2000" b="1" dirty="0" smtClean="0">
                 <a:hlinkClick r:id="rId2"/>
               </a:rPr>
-              <a:t>Inserting &amp; Updating &amp; Deleting </a:t>
-            </a:r>
-            <a:r>
-              <a:rPr lang="en-US" sz="2000" b="1" dirty="0" smtClean="0">
-                <a:hlinkClick r:id="rId2"/>
-              </a:rPr>
-              <a:t>Models</a:t>
+              <a:t>Inserting &amp; Updating &amp; Deleting Models</a:t>
             </a:r>
             <a:endParaRPr lang="en-US" sz="2000" b="1" dirty="0" smtClean="0"/>
           </a:p>
@@ -9529,7 +9518,25 @@
                           </a:solidFill>
                           <a:latin typeface="Calibri"/>
                         </a:rPr>
-                        <a:t> Comment() </a:t>
+                        <a:t> </a:t>
+                      </a:r>
+                      <a:r>
+                        <a:rPr lang="en-US" sz="900" b="0" i="0" u="none" strike="noStrike" dirty="0" smtClean="0">
+                          <a:solidFill>
+                            <a:srgbClr val="000000"/>
+                          </a:solidFill>
+                          <a:latin typeface="Calibri"/>
+                        </a:rPr>
+                        <a:t>Comment</a:t>
+                      </a:r>
+                      <a:r>
+                        <a:rPr lang="en-US" sz="900" b="0" i="0" u="none" strike="noStrike" baseline="0" dirty="0" smtClean="0">
+                          <a:solidFill>
+                            <a:srgbClr val="000000"/>
+                          </a:solidFill>
+                          <a:latin typeface="Calibri"/>
+                        </a:rPr>
+                        <a:t> </a:t>
                       </a:r>
                       <a:r>
                         <a:rPr lang="en-US" sz="900" b="0" i="0" u="none" strike="noStrike" dirty="0" smtClean="0">
@@ -9547,7 +9554,16 @@
                           </a:solidFill>
                           <a:latin typeface="Calibri"/>
                         </a:rPr>
-                        <a:t> Model {</a:t>
+                        <a:t> </a:t>
+                      </a:r>
+                      <a:r>
+                        <a:rPr lang="en-US" sz="900" b="0" i="0" u="none" strike="noStrike" dirty="0" smtClean="0">
+                          <a:solidFill>
+                            <a:srgbClr val="000000"/>
+                          </a:solidFill>
+                          <a:latin typeface="Calibri"/>
+                        </a:rPr>
+                        <a:t>Model {</a:t>
                       </a:r>
                     </a:p>
                     <a:p>
